--- a/ppts/Topic 1 The basics of R.pptx
+++ b/ppts/Topic 1 The basics of R.pptx
@@ -349,7 +349,7 @@
               <a:pPr>
                 <a:defRPr/>
               </a:pPr>
-              <a:t>21.02.2018</a:t>
+              <a:t>01.03.2018</a:t>
             </a:fld>
             <a:endParaRPr lang="de-DE"/>
           </a:p>
@@ -7309,11 +7309,7 @@
             </a:r>
             <a:r>
               <a:rPr lang="de-AT" dirty="0" smtClean="0"/>
-              <a:t> </a:t>
-            </a:r>
-            <a:r>
-              <a:rPr lang="de-AT" dirty="0" smtClean="0"/>
-              <a:t>R (R-Studio)</a:t>
+              <a:t> R (R-Studio)</a:t>
             </a:r>
             <a:endParaRPr lang="de-AT" dirty="0"/>
           </a:p>
@@ -7565,11 +7561,7 @@
             </a:r>
             <a:r>
               <a:rPr lang="de-AT" sz="1800" dirty="0" smtClean="0"/>
-              <a:t> </a:t>
-            </a:r>
-            <a:r>
-              <a:rPr lang="de-AT" sz="1800" dirty="0" smtClean="0"/>
-              <a:t>„</a:t>
+              <a:t> „</a:t>
             </a:r>
             <a:r>
               <a:rPr lang="de-AT" sz="1800" b="1" dirty="0" smtClean="0"/>
@@ -7593,17 +7585,12 @@
             </a:r>
             <a:r>
               <a:rPr lang="de-AT" sz="1800" dirty="0" smtClean="0"/>
-              <a:t> </a:t>
-            </a:r>
-            <a:r>
-              <a:rPr lang="de-AT" sz="1800" dirty="0" smtClean="0"/>
-              <a:t>„</a:t>
+              <a:t> „</a:t>
             </a:r>
             <a:r>
               <a:rPr lang="de-AT" sz="1800" b="1" dirty="0" smtClean="0"/>
               <a:t>,“</a:t>
             </a:r>
-            <a:endParaRPr lang="de-AT" sz="1800" b="1" dirty="0" smtClean="0"/>
           </a:p>
           <a:p>
             <a:pPr marL="0" indent="0">
@@ -7817,11 +7804,7 @@
             </a:pPr>
             <a:r>
               <a:rPr lang="de-AT" sz="1800" dirty="0" smtClean="0"/>
-              <a:t>In </a:t>
-            </a:r>
-            <a:r>
-              <a:rPr lang="de-AT" sz="1800" dirty="0" smtClean="0"/>
-              <a:t>(</a:t>
+              <a:t>In (</a:t>
             </a:r>
             <a:r>
               <a:rPr lang="de-AT" sz="1800" dirty="0"/>
@@ -7829,11 +7812,7 @@
             </a:r>
             <a:r>
               <a:rPr lang="de-AT" sz="1800" dirty="0" smtClean="0"/>
-              <a:t>erman</a:t>
-            </a:r>
-            <a:r>
-              <a:rPr lang="de-AT" sz="1800" dirty="0" smtClean="0"/>
-              <a:t>) Excel </a:t>
+              <a:t>erman) Excel </a:t>
             </a:r>
             <a:r>
               <a:rPr lang="de-AT" sz="1800" dirty="0" err="1" smtClean="0"/>
@@ -8512,39 +8491,7 @@
               <a:rPr lang="en-GB" sz="2400" dirty="0" smtClean="0"/>
               <a:t>selection</a:t>
             </a:r>
-          </a:p>
-          <a:p>
-            <a:pPr marL="0" indent="0">
-              <a:buNone/>
-            </a:pPr>
-            <a:r>
-              <a:rPr lang="en-GB" sz="2400" dirty="0" smtClean="0">
-                <a:solidFill>
-                  <a:schemeClr val="bg1">
-                    <a:lumMod val="65000"/>
-                  </a:schemeClr>
-                </a:solidFill>
-              </a:rPr>
-              <a:t>Topic </a:t>
-            </a:r>
-            <a:r>
-              <a:rPr lang="en-GB" sz="2400" dirty="0">
-                <a:solidFill>
-                  <a:schemeClr val="bg1">
-                    <a:lumMod val="65000"/>
-                  </a:schemeClr>
-                </a:solidFill>
-              </a:rPr>
-              <a:t>12: Model validation and predictions </a:t>
-            </a:r>
-            <a:r>
-              <a:rPr lang="en-GB" sz="2400" dirty="0"/>
-              <a:t/>
-            </a:r>
-            <a:br>
-              <a:rPr lang="en-GB" sz="2400" dirty="0"/>
-            </a:br>
-            <a:endParaRPr lang="en-US" sz="2400" dirty="0" smtClean="0"/>
+            <a:endParaRPr lang="en-GB" sz="2400" dirty="0" smtClean="0"/>
           </a:p>
         </p:txBody>
       </p:sp>
